--- a/slides/PS4106 - debugging.pptx
+++ b/slides/PS4106 - debugging.pptx
@@ -14,12 +14,17 @@
     <p:sldId id="258" r:id="rId8"/>
     <p:sldId id="260" r:id="rId9"/>
     <p:sldId id="270" r:id="rId10"/>
-    <p:sldId id="259" r:id="rId11"/>
-    <p:sldId id="265" r:id="rId12"/>
-    <p:sldId id="266" r:id="rId13"/>
-    <p:sldId id="267" r:id="rId14"/>
-    <p:sldId id="269" r:id="rId15"/>
-    <p:sldId id="268" r:id="rId16"/>
+    <p:sldId id="273" r:id="rId11"/>
+    <p:sldId id="275" r:id="rId12"/>
+    <p:sldId id="274" r:id="rId13"/>
+    <p:sldId id="259" r:id="rId14"/>
+    <p:sldId id="265" r:id="rId15"/>
+    <p:sldId id="266" r:id="rId16"/>
+    <p:sldId id="267" r:id="rId17"/>
+    <p:sldId id="269" r:id="rId18"/>
+    <p:sldId id="268" r:id="rId19"/>
+    <p:sldId id="271" r:id="rId20"/>
+    <p:sldId id="272" r:id="rId21"/>
   </p:sldIdLst>
   <p:sldSz cx="12192000" cy="6858000"/>
   <p:notesSz cx="6858000" cy="9144000"/>
@@ -118,6 +123,11 @@
       </a:defRPr>
     </a:lvl9pPr>
   </p:defaultTextStyle>
+  <p:extLst>
+    <p:ext uri="{EFAFB233-063F-42B5-8137-9DF3F51BA10A}">
+      <p15:sldGuideLst xmlns:p15="http://schemas.microsoft.com/office/powerpoint/2012/main"/>
+    </p:ext>
+  </p:extLst>
 </p:presentation>
 </file>
 
@@ -270,7 +280,7 @@
           <a:p>
             <a:fld id="{BE379DB5-90DC-CA4E-850A-C726A3332936}" type="datetimeFigureOut">
               <a:rPr lang="en-US" smtClean="0"/>
-              <a:t>10/27/21</a:t>
+              <a:t>10/12/22</a:t>
             </a:fld>
             <a:endParaRPr lang="en-US"/>
           </a:p>
@@ -470,7 +480,7 @@
           <a:p>
             <a:fld id="{BE379DB5-90DC-CA4E-850A-C726A3332936}" type="datetimeFigureOut">
               <a:rPr lang="en-US" smtClean="0"/>
-              <a:t>10/27/21</a:t>
+              <a:t>10/12/22</a:t>
             </a:fld>
             <a:endParaRPr lang="en-US"/>
           </a:p>
@@ -680,7 +690,7 @@
           <a:p>
             <a:fld id="{BE379DB5-90DC-CA4E-850A-C726A3332936}" type="datetimeFigureOut">
               <a:rPr lang="en-US" smtClean="0"/>
-              <a:t>10/27/21</a:t>
+              <a:t>10/12/22</a:t>
             </a:fld>
             <a:endParaRPr lang="en-US"/>
           </a:p>
@@ -880,7 +890,7 @@
           <a:p>
             <a:fld id="{BE379DB5-90DC-CA4E-850A-C726A3332936}" type="datetimeFigureOut">
               <a:rPr lang="en-US" smtClean="0"/>
-              <a:t>10/27/21</a:t>
+              <a:t>10/12/22</a:t>
             </a:fld>
             <a:endParaRPr lang="en-US"/>
           </a:p>
@@ -1156,7 +1166,7 @@
           <a:p>
             <a:fld id="{BE379DB5-90DC-CA4E-850A-C726A3332936}" type="datetimeFigureOut">
               <a:rPr lang="en-US" smtClean="0"/>
-              <a:t>10/27/21</a:t>
+              <a:t>10/12/22</a:t>
             </a:fld>
             <a:endParaRPr lang="en-US"/>
           </a:p>
@@ -1424,7 +1434,7 @@
           <a:p>
             <a:fld id="{BE379DB5-90DC-CA4E-850A-C726A3332936}" type="datetimeFigureOut">
               <a:rPr lang="en-US" smtClean="0"/>
-              <a:t>10/27/21</a:t>
+              <a:t>10/12/22</a:t>
             </a:fld>
             <a:endParaRPr lang="en-US"/>
           </a:p>
@@ -1839,7 +1849,7 @@
           <a:p>
             <a:fld id="{BE379DB5-90DC-CA4E-850A-C726A3332936}" type="datetimeFigureOut">
               <a:rPr lang="en-US" smtClean="0"/>
-              <a:t>10/27/21</a:t>
+              <a:t>10/12/22</a:t>
             </a:fld>
             <a:endParaRPr lang="en-US"/>
           </a:p>
@@ -1981,7 +1991,7 @@
           <a:p>
             <a:fld id="{BE379DB5-90DC-CA4E-850A-C726A3332936}" type="datetimeFigureOut">
               <a:rPr lang="en-US" smtClean="0"/>
-              <a:t>10/27/21</a:t>
+              <a:t>10/12/22</a:t>
             </a:fld>
             <a:endParaRPr lang="en-US"/>
           </a:p>
@@ -2094,7 +2104,7 @@
           <a:p>
             <a:fld id="{BE379DB5-90DC-CA4E-850A-C726A3332936}" type="datetimeFigureOut">
               <a:rPr lang="en-US" smtClean="0"/>
-              <a:t>10/27/21</a:t>
+              <a:t>10/12/22</a:t>
             </a:fld>
             <a:endParaRPr lang="en-US"/>
           </a:p>
@@ -2407,7 +2417,7 @@
           <a:p>
             <a:fld id="{BE379DB5-90DC-CA4E-850A-C726A3332936}" type="datetimeFigureOut">
               <a:rPr lang="en-US" smtClean="0"/>
-              <a:t>10/27/21</a:t>
+              <a:t>10/12/22</a:t>
             </a:fld>
             <a:endParaRPr lang="en-US"/>
           </a:p>
@@ -2696,7 +2706,7 @@
           <a:p>
             <a:fld id="{BE379DB5-90DC-CA4E-850A-C726A3332936}" type="datetimeFigureOut">
               <a:rPr lang="en-US" smtClean="0"/>
-              <a:t>10/27/21</a:t>
+              <a:t>10/12/22</a:t>
             </a:fld>
             <a:endParaRPr lang="en-US"/>
           </a:p>
@@ -2939,7 +2949,7 @@
           <a:p>
             <a:fld id="{BE379DB5-90DC-CA4E-850A-C726A3332936}" type="datetimeFigureOut">
               <a:rPr lang="en-US" smtClean="0"/>
-              <a:t>10/27/21</a:t>
+              <a:t>10/12/22</a:t>
             </a:fld>
             <a:endParaRPr lang="en-US"/>
           </a:p>
@@ -3448,7 +3458,7 @@
           <p:cNvPr id="2" name="Title 1">
             <a:extLst>
               <a:ext uri="{FF2B5EF4-FFF2-40B4-BE49-F238E27FC236}">
-                <a16:creationId xmlns:a16="http://schemas.microsoft.com/office/drawing/2014/main" id="{66D9E06A-E4A3-7942-B436-E71CD3E153C9}"/>
+                <a16:creationId xmlns:a16="http://schemas.microsoft.com/office/drawing/2014/main" id="{DFFFA6E0-DD77-D446-BCC5-CE92E6F10094}"/>
               </a:ext>
             </a:extLst>
           </p:cNvPr>
@@ -3461,15 +3471,17 @@
         </p:nvSpPr>
         <p:spPr/>
         <p:txBody>
-          <a:bodyPr/>
-          <a:lstStyle/>
-          <a:p>
-            <a:r>
-              <a:rPr lang="en-GB" dirty="0"/>
-              <a:t>Change One Thing at a Time, For a Reason</a:t>
+          <a:bodyPr>
+            <a:normAutofit/>
+          </a:bodyPr>
+          <a:lstStyle/>
+          <a:p>
+            <a:r>
+              <a:rPr lang="en-US" dirty="0"/>
+              <a:t>Use debugging tools</a:t>
             </a:r>
             <a:br>
-              <a:rPr lang="en-GB" dirty="0"/>
+              <a:rPr lang="en-US" dirty="0"/>
             </a:br>
             <a:endParaRPr lang="en-US" dirty="0"/>
           </a:p>
@@ -3477,10 +3489,10 @@
       </p:sp>
       <p:sp>
         <p:nvSpPr>
-          <p:cNvPr id="3" name="Content Placeholder 2">
-            <a:extLst>
-              <a:ext uri="{FF2B5EF4-FFF2-40B4-BE49-F238E27FC236}">
-                <a16:creationId xmlns:a16="http://schemas.microsoft.com/office/drawing/2014/main" id="{ED89CA62-A21E-3A40-9750-C7371CD44AFA}"/>
+          <p:cNvPr id="13" name="Content Placeholder 2">
+            <a:extLst>
+              <a:ext uri="{FF2B5EF4-FFF2-40B4-BE49-F238E27FC236}">
+                <a16:creationId xmlns:a16="http://schemas.microsoft.com/office/drawing/2014/main" id="{E225473A-3DA3-C072-70A9-4176010C9A0F}"/>
               </a:ext>
             </a:extLst>
           </p:cNvPr>
@@ -3491,68 +3503,33 @@
             <p:ph idx="1"/>
           </p:nvPr>
         </p:nvSpPr>
-        <p:spPr/>
-        <p:txBody>
-          <a:bodyPr/>
-          <a:lstStyle/>
-          <a:p>
-            <a:r>
-              <a:rPr lang="en-GB" dirty="0"/>
-              <a:t>Replacing random chunks of code is unlikely to do much good.</a:t>
-            </a:r>
-          </a:p>
-          <a:p>
-            <a:pPr lvl="1"/>
-            <a:r>
-              <a:rPr lang="en-GB" dirty="0"/>
-              <a:t> (After all, if you got it wrong the first time, you’ll probably get it wrong the second and third as well.)</a:t>
-            </a:r>
-          </a:p>
-          <a:p>
-            <a:r>
-              <a:rPr lang="en-GB" dirty="0"/>
-              <a:t>Make changes for a Reason.  Either to:</a:t>
-            </a:r>
-          </a:p>
-          <a:p>
-            <a:pPr lvl="1"/>
-            <a:r>
-              <a:rPr lang="en-GB" dirty="0"/>
-              <a:t>Gather more information (e.g. is bug still here if I do X)</a:t>
-            </a:r>
-          </a:p>
-          <a:p>
-            <a:pPr lvl="1"/>
-            <a:r>
-              <a:rPr lang="en-GB" dirty="0"/>
-              <a:t>Test a potential fix</a:t>
-            </a:r>
-          </a:p>
-          <a:p>
-            <a:endParaRPr lang="en-GB" dirty="0"/>
-          </a:p>
-          <a:p>
-            <a:r>
-              <a:rPr lang="en-GB" dirty="0"/>
-              <a:t>Use test inputs (e.g. smaller/simpler things)</a:t>
-            </a:r>
-          </a:p>
-          <a:p>
-            <a:endParaRPr lang="en-GB" dirty="0"/>
-          </a:p>
-          <a:p>
-            <a:pPr lvl="1"/>
-            <a:endParaRPr lang="en-GB" dirty="0"/>
-          </a:p>
-          <a:p>
-            <a:endParaRPr lang="en-US" dirty="0"/>
+        <p:spPr>
+          <a:xfrm>
+            <a:off x="634959" y="1253331"/>
+            <a:ext cx="10515600" cy="4351338"/>
+          </a:xfrm>
+        </p:spPr>
+        <p:txBody>
+          <a:bodyPr/>
+          <a:lstStyle/>
+          <a:p>
+            <a:r>
+              <a:rPr lang="en-US" dirty="0"/>
+              <a:t>Enable the debugger, then open the debug panel.</a:t>
+            </a:r>
+          </a:p>
+          <a:p>
+            <a:r>
+              <a:rPr lang="en-US" dirty="0"/>
+              <a:t>They all are little “bug” icons. </a:t>
+            </a:r>
           </a:p>
         </p:txBody>
       </p:sp>
     </p:spTree>
     <p:extLst>
       <p:ext uri="{BB962C8B-B14F-4D97-AF65-F5344CB8AC3E}">
-        <p14:creationId xmlns:p14="http://schemas.microsoft.com/office/powerpoint/2010/main" val="2485514461"/>
+        <p14:creationId xmlns:p14="http://schemas.microsoft.com/office/powerpoint/2010/main" val="1760575081"/>
       </p:ext>
     </p:extLst>
   </p:cSld>
@@ -3584,6 +3561,518 @@
           <p:cNvPr id="2" name="Title 1">
             <a:extLst>
               <a:ext uri="{FF2B5EF4-FFF2-40B4-BE49-F238E27FC236}">
+                <a16:creationId xmlns:a16="http://schemas.microsoft.com/office/drawing/2014/main" id="{DFFFA6E0-DD77-D446-BCC5-CE92E6F10094}"/>
+              </a:ext>
+            </a:extLst>
+          </p:cNvPr>
+          <p:cNvSpPr>
+            <a:spLocks noGrp="1"/>
+          </p:cNvSpPr>
+          <p:nvPr>
+            <p:ph type="title"/>
+          </p:nvPr>
+        </p:nvSpPr>
+        <p:spPr/>
+        <p:txBody>
+          <a:bodyPr>
+            <a:normAutofit/>
+          </a:bodyPr>
+          <a:lstStyle/>
+          <a:p>
+            <a:r>
+              <a:rPr lang="en-US" dirty="0"/>
+              <a:t>Use debugging tools</a:t>
+            </a:r>
+            <a:br>
+              <a:rPr lang="en-US" dirty="0"/>
+            </a:br>
+            <a:endParaRPr lang="en-US" dirty="0"/>
+          </a:p>
+        </p:txBody>
+      </p:sp>
+      <p:pic>
+        <p:nvPicPr>
+          <p:cNvPr id="5" name="Picture 4">
+            <a:extLst>
+              <a:ext uri="{FF2B5EF4-FFF2-40B4-BE49-F238E27FC236}">
+                <a16:creationId xmlns:a16="http://schemas.microsoft.com/office/drawing/2014/main" id="{38F529DF-C86B-5C2A-6ADB-E997FC916A71}"/>
+              </a:ext>
+            </a:extLst>
+          </p:cNvPr>
+          <p:cNvPicPr>
+            <a:picLocks noChangeAspect="1"/>
+          </p:cNvPicPr>
+          <p:nvPr/>
+        </p:nvPicPr>
+        <p:blipFill rotWithShape="1">
+          <a:blip r:embed="rId2"/>
+          <a:srcRect l="77896"/>
+          <a:stretch/>
+        </p:blipFill>
+        <p:spPr>
+          <a:xfrm>
+            <a:off x="4607099" y="4182048"/>
+            <a:ext cx="5742324" cy="2199206"/>
+          </a:xfrm>
+          <a:prstGeom prst="rect">
+            <a:avLst/>
+          </a:prstGeom>
+        </p:spPr>
+      </p:pic>
+      <p:pic>
+        <p:nvPicPr>
+          <p:cNvPr id="8" name="Picture 7">
+            <a:extLst>
+              <a:ext uri="{FF2B5EF4-FFF2-40B4-BE49-F238E27FC236}">
+                <a16:creationId xmlns:a16="http://schemas.microsoft.com/office/drawing/2014/main" id="{31316194-72E8-261E-375D-A6B5F2A1BD3B}"/>
+              </a:ext>
+            </a:extLst>
+          </p:cNvPr>
+          <p:cNvPicPr>
+            <a:picLocks noChangeAspect="1"/>
+          </p:cNvPicPr>
+          <p:nvPr/>
+        </p:nvPicPr>
+        <p:blipFill>
+          <a:blip r:embed="rId2"/>
+          <a:stretch>
+            <a:fillRect/>
+          </a:stretch>
+        </p:blipFill>
+        <p:spPr>
+          <a:xfrm>
+            <a:off x="392120" y="2675952"/>
+            <a:ext cx="11164921" cy="945177"/>
+          </a:xfrm>
+          <a:prstGeom prst="rect">
+            <a:avLst/>
+          </a:prstGeom>
+        </p:spPr>
+      </p:pic>
+      <p:sp>
+        <p:nvSpPr>
+          <p:cNvPr id="13" name="Content Placeholder 2">
+            <a:extLst>
+              <a:ext uri="{FF2B5EF4-FFF2-40B4-BE49-F238E27FC236}">
+                <a16:creationId xmlns:a16="http://schemas.microsoft.com/office/drawing/2014/main" id="{E225473A-3DA3-C072-70A9-4176010C9A0F}"/>
+              </a:ext>
+            </a:extLst>
+          </p:cNvPr>
+          <p:cNvSpPr>
+            <a:spLocks noGrp="1"/>
+          </p:cNvSpPr>
+          <p:nvPr>
+            <p:ph idx="1"/>
+          </p:nvPr>
+        </p:nvSpPr>
+        <p:spPr>
+          <a:xfrm>
+            <a:off x="634959" y="1253331"/>
+            <a:ext cx="10515600" cy="4351338"/>
+          </a:xfrm>
+        </p:spPr>
+        <p:txBody>
+          <a:bodyPr/>
+          <a:lstStyle/>
+          <a:p>
+            <a:r>
+              <a:rPr lang="en-US" dirty="0"/>
+              <a:t>Enable the debugger, then open the debug panel.</a:t>
+            </a:r>
+          </a:p>
+          <a:p>
+            <a:r>
+              <a:rPr lang="en-US" dirty="0"/>
+              <a:t>They all are little “bug” icons. </a:t>
+            </a:r>
+          </a:p>
+        </p:txBody>
+      </p:sp>
+    </p:spTree>
+    <p:extLst>
+      <p:ext uri="{BB962C8B-B14F-4D97-AF65-F5344CB8AC3E}">
+        <p14:creationId xmlns:p14="http://schemas.microsoft.com/office/powerpoint/2010/main" val="2745284665"/>
+      </p:ext>
+    </p:extLst>
+  </p:cSld>
+  <p:clrMapOvr>
+    <a:masterClrMapping/>
+  </p:clrMapOvr>
+</p:sld>
+</file>
+
+<file path=ppt/slides/slide12.xml><?xml version="1.0" encoding="utf-8"?>
+<p:sld xmlns:a="http://schemas.openxmlformats.org/drawingml/2006/main" xmlns:r="http://schemas.openxmlformats.org/officeDocument/2006/relationships" xmlns:p="http://schemas.openxmlformats.org/presentationml/2006/main">
+  <p:cSld>
+    <p:spTree>
+      <p:nvGrpSpPr>
+        <p:cNvPr id="1" name=""/>
+        <p:cNvGrpSpPr/>
+        <p:nvPr/>
+      </p:nvGrpSpPr>
+      <p:grpSpPr>
+        <a:xfrm>
+          <a:off x="0" y="0"/>
+          <a:ext cx="0" cy="0"/>
+          <a:chOff x="0" y="0"/>
+          <a:chExt cx="0" cy="0"/>
+        </a:xfrm>
+      </p:grpSpPr>
+      <p:sp>
+        <p:nvSpPr>
+          <p:cNvPr id="2" name="Title 1">
+            <a:extLst>
+              <a:ext uri="{FF2B5EF4-FFF2-40B4-BE49-F238E27FC236}">
+                <a16:creationId xmlns:a16="http://schemas.microsoft.com/office/drawing/2014/main" id="{DFFFA6E0-DD77-D446-BCC5-CE92E6F10094}"/>
+              </a:ext>
+            </a:extLst>
+          </p:cNvPr>
+          <p:cNvSpPr>
+            <a:spLocks noGrp="1"/>
+          </p:cNvSpPr>
+          <p:nvPr>
+            <p:ph type="title"/>
+          </p:nvPr>
+        </p:nvSpPr>
+        <p:spPr/>
+        <p:txBody>
+          <a:bodyPr>
+            <a:normAutofit/>
+          </a:bodyPr>
+          <a:lstStyle/>
+          <a:p>
+            <a:r>
+              <a:rPr lang="en-US" dirty="0"/>
+              <a:t>Use debugging tools</a:t>
+            </a:r>
+            <a:br>
+              <a:rPr lang="en-US" dirty="0"/>
+            </a:br>
+            <a:endParaRPr lang="en-US" dirty="0"/>
+          </a:p>
+        </p:txBody>
+      </p:sp>
+      <p:pic>
+        <p:nvPicPr>
+          <p:cNvPr id="5" name="Picture 4">
+            <a:extLst>
+              <a:ext uri="{FF2B5EF4-FFF2-40B4-BE49-F238E27FC236}">
+                <a16:creationId xmlns:a16="http://schemas.microsoft.com/office/drawing/2014/main" id="{38F529DF-C86B-5C2A-6ADB-E997FC916A71}"/>
+              </a:ext>
+            </a:extLst>
+          </p:cNvPr>
+          <p:cNvPicPr>
+            <a:picLocks noChangeAspect="1"/>
+          </p:cNvPicPr>
+          <p:nvPr/>
+        </p:nvPicPr>
+        <p:blipFill rotWithShape="1">
+          <a:blip r:embed="rId2"/>
+          <a:srcRect l="77896"/>
+          <a:stretch/>
+        </p:blipFill>
+        <p:spPr>
+          <a:xfrm>
+            <a:off x="3103419" y="4055831"/>
+            <a:ext cx="5742324" cy="2199206"/>
+          </a:xfrm>
+          <a:prstGeom prst="rect">
+            <a:avLst/>
+          </a:prstGeom>
+        </p:spPr>
+      </p:pic>
+      <p:pic>
+        <p:nvPicPr>
+          <p:cNvPr id="8" name="Picture 7">
+            <a:extLst>
+              <a:ext uri="{FF2B5EF4-FFF2-40B4-BE49-F238E27FC236}">
+                <a16:creationId xmlns:a16="http://schemas.microsoft.com/office/drawing/2014/main" id="{31316194-72E8-261E-375D-A6B5F2A1BD3B}"/>
+              </a:ext>
+            </a:extLst>
+          </p:cNvPr>
+          <p:cNvPicPr>
+            <a:picLocks noChangeAspect="1"/>
+          </p:cNvPicPr>
+          <p:nvPr/>
+        </p:nvPicPr>
+        <p:blipFill>
+          <a:blip r:embed="rId2"/>
+          <a:stretch>
+            <a:fillRect/>
+          </a:stretch>
+        </p:blipFill>
+        <p:spPr>
+          <a:xfrm>
+            <a:off x="392120" y="1576349"/>
+            <a:ext cx="11164921" cy="945177"/>
+          </a:xfrm>
+          <a:prstGeom prst="rect">
+            <a:avLst/>
+          </a:prstGeom>
+        </p:spPr>
+      </p:pic>
+      <p:sp>
+        <p:nvSpPr>
+          <p:cNvPr id="9" name="Doughnut 8">
+            <a:extLst>
+              <a:ext uri="{FF2B5EF4-FFF2-40B4-BE49-F238E27FC236}">
+                <a16:creationId xmlns:a16="http://schemas.microsoft.com/office/drawing/2014/main" id="{60D536A1-03F5-38BC-91EA-4217CBEB6C2E}"/>
+              </a:ext>
+            </a:extLst>
+          </p:cNvPr>
+          <p:cNvSpPr/>
+          <p:nvPr/>
+        </p:nvSpPr>
+        <p:spPr>
+          <a:xfrm>
+            <a:off x="9088582" y="1357745"/>
+            <a:ext cx="692727" cy="845128"/>
+          </a:xfrm>
+          <a:prstGeom prst="donut">
+            <a:avLst/>
+          </a:prstGeom>
+        </p:spPr>
+        <p:style>
+          <a:lnRef idx="2">
+            <a:schemeClr val="accent1">
+              <a:shade val="50000"/>
+            </a:schemeClr>
+          </a:lnRef>
+          <a:fillRef idx="1">
+            <a:schemeClr val="accent1"/>
+          </a:fillRef>
+          <a:effectRef idx="0">
+            <a:schemeClr val="accent1"/>
+          </a:effectRef>
+          <a:fontRef idx="minor">
+            <a:schemeClr val="lt1"/>
+          </a:fontRef>
+        </p:style>
+        <p:txBody>
+          <a:bodyPr rtlCol="0" anchor="ctr"/>
+          <a:lstStyle/>
+          <a:p>
+            <a:pPr algn="ctr"/>
+            <a:endParaRPr lang="en-US">
+              <a:solidFill>
+                <a:schemeClr val="tx1"/>
+              </a:solidFill>
+            </a:endParaRPr>
+          </a:p>
+        </p:txBody>
+      </p:sp>
+      <p:cxnSp>
+        <p:nvCxnSpPr>
+          <p:cNvPr id="3" name="Straight Arrow Connector 2">
+            <a:extLst>
+              <a:ext uri="{FF2B5EF4-FFF2-40B4-BE49-F238E27FC236}">
+                <a16:creationId xmlns:a16="http://schemas.microsoft.com/office/drawing/2014/main" id="{85107B6B-3B26-7A4A-C2EC-D05F17388087}"/>
+              </a:ext>
+            </a:extLst>
+          </p:cNvPr>
+          <p:cNvCxnSpPr>
+            <a:cxnSpLocks/>
+          </p:cNvCxnSpPr>
+          <p:nvPr/>
+        </p:nvCxnSpPr>
+        <p:spPr>
+          <a:xfrm flipH="1">
+            <a:off x="4135120" y="1909292"/>
+            <a:ext cx="4953462" cy="2307108"/>
+          </a:xfrm>
+          <a:prstGeom prst="straightConnector1">
+            <a:avLst/>
+          </a:prstGeom>
+          <a:ln w="57150">
+            <a:tailEnd type="triangle"/>
+          </a:ln>
+        </p:spPr>
+        <p:style>
+          <a:lnRef idx="1">
+            <a:schemeClr val="accent1"/>
+          </a:lnRef>
+          <a:fillRef idx="0">
+            <a:schemeClr val="accent1"/>
+          </a:fillRef>
+          <a:effectRef idx="0">
+            <a:schemeClr val="accent1"/>
+          </a:effectRef>
+          <a:fontRef idx="minor">
+            <a:schemeClr val="tx1"/>
+          </a:fontRef>
+        </p:style>
+      </p:cxnSp>
+    </p:spTree>
+    <p:extLst>
+      <p:ext uri="{BB962C8B-B14F-4D97-AF65-F5344CB8AC3E}">
+        <p14:creationId xmlns:p14="http://schemas.microsoft.com/office/powerpoint/2010/main" val="1401932593"/>
+      </p:ext>
+    </p:extLst>
+  </p:cSld>
+  <p:clrMapOvr>
+    <a:masterClrMapping/>
+  </p:clrMapOvr>
+</p:sld>
+</file>
+
+<file path=ppt/slides/slide13.xml><?xml version="1.0" encoding="utf-8"?>
+<p:sld xmlns:a="http://schemas.openxmlformats.org/drawingml/2006/main" xmlns:r="http://schemas.openxmlformats.org/officeDocument/2006/relationships" xmlns:p="http://schemas.openxmlformats.org/presentationml/2006/main">
+  <p:cSld>
+    <p:spTree>
+      <p:nvGrpSpPr>
+        <p:cNvPr id="1" name=""/>
+        <p:cNvGrpSpPr/>
+        <p:nvPr/>
+      </p:nvGrpSpPr>
+      <p:grpSpPr>
+        <a:xfrm>
+          <a:off x="0" y="0"/>
+          <a:ext cx="0" cy="0"/>
+          <a:chOff x="0" y="0"/>
+          <a:chExt cx="0" cy="0"/>
+        </a:xfrm>
+      </p:grpSpPr>
+      <p:sp>
+        <p:nvSpPr>
+          <p:cNvPr id="2" name="Title 1">
+            <a:extLst>
+              <a:ext uri="{FF2B5EF4-FFF2-40B4-BE49-F238E27FC236}">
+                <a16:creationId xmlns:a16="http://schemas.microsoft.com/office/drawing/2014/main" id="{66D9E06A-E4A3-7942-B436-E71CD3E153C9}"/>
+              </a:ext>
+            </a:extLst>
+          </p:cNvPr>
+          <p:cNvSpPr>
+            <a:spLocks noGrp="1"/>
+          </p:cNvSpPr>
+          <p:nvPr>
+            <p:ph type="title"/>
+          </p:nvPr>
+        </p:nvSpPr>
+        <p:spPr/>
+        <p:txBody>
+          <a:bodyPr/>
+          <a:lstStyle/>
+          <a:p>
+            <a:r>
+              <a:rPr lang="en-GB" dirty="0"/>
+              <a:t>Change One Thing at a Time, For a Reason</a:t>
+            </a:r>
+            <a:br>
+              <a:rPr lang="en-GB" dirty="0"/>
+            </a:br>
+            <a:endParaRPr lang="en-US" dirty="0"/>
+          </a:p>
+        </p:txBody>
+      </p:sp>
+      <p:sp>
+        <p:nvSpPr>
+          <p:cNvPr id="3" name="Content Placeholder 2">
+            <a:extLst>
+              <a:ext uri="{FF2B5EF4-FFF2-40B4-BE49-F238E27FC236}">
+                <a16:creationId xmlns:a16="http://schemas.microsoft.com/office/drawing/2014/main" id="{ED89CA62-A21E-3A40-9750-C7371CD44AFA}"/>
+              </a:ext>
+            </a:extLst>
+          </p:cNvPr>
+          <p:cNvSpPr>
+            <a:spLocks noGrp="1"/>
+          </p:cNvSpPr>
+          <p:nvPr>
+            <p:ph idx="1"/>
+          </p:nvPr>
+        </p:nvSpPr>
+        <p:spPr/>
+        <p:txBody>
+          <a:bodyPr/>
+          <a:lstStyle/>
+          <a:p>
+            <a:r>
+              <a:rPr lang="en-GB" dirty="0"/>
+              <a:t>Replacing random chunks of code is unlikely to do much good.</a:t>
+            </a:r>
+          </a:p>
+          <a:p>
+            <a:pPr lvl="1"/>
+            <a:r>
+              <a:rPr lang="en-GB" dirty="0"/>
+              <a:t> (After all, if you got it wrong the first time, you’ll probably get it wrong the second and third as well.)</a:t>
+            </a:r>
+          </a:p>
+          <a:p>
+            <a:r>
+              <a:rPr lang="en-GB" dirty="0"/>
+              <a:t>Make changes for a Reason.  Either to:</a:t>
+            </a:r>
+          </a:p>
+          <a:p>
+            <a:pPr lvl="1"/>
+            <a:r>
+              <a:rPr lang="en-GB" dirty="0"/>
+              <a:t>Gather more information (e.g. is bug still here if I do X)</a:t>
+            </a:r>
+          </a:p>
+          <a:p>
+            <a:pPr lvl="1"/>
+            <a:r>
+              <a:rPr lang="en-GB" dirty="0"/>
+              <a:t>Test a potential fix</a:t>
+            </a:r>
+          </a:p>
+          <a:p>
+            <a:endParaRPr lang="en-GB" dirty="0"/>
+          </a:p>
+          <a:p>
+            <a:r>
+              <a:rPr lang="en-GB" dirty="0"/>
+              <a:t>Use test inputs (e.g. smaller/simpler things)</a:t>
+            </a:r>
+          </a:p>
+          <a:p>
+            <a:endParaRPr lang="en-GB" dirty="0"/>
+          </a:p>
+          <a:p>
+            <a:pPr lvl="1"/>
+            <a:endParaRPr lang="en-GB" dirty="0"/>
+          </a:p>
+          <a:p>
+            <a:endParaRPr lang="en-US" dirty="0"/>
+          </a:p>
+        </p:txBody>
+      </p:sp>
+    </p:spTree>
+    <p:extLst>
+      <p:ext uri="{BB962C8B-B14F-4D97-AF65-F5344CB8AC3E}">
+        <p14:creationId xmlns:p14="http://schemas.microsoft.com/office/powerpoint/2010/main" val="2485514461"/>
+      </p:ext>
+    </p:extLst>
+  </p:cSld>
+  <p:clrMapOvr>
+    <a:masterClrMapping/>
+  </p:clrMapOvr>
+</p:sld>
+</file>
+
+<file path=ppt/slides/slide14.xml><?xml version="1.0" encoding="utf-8"?>
+<p:sld xmlns:a="http://schemas.openxmlformats.org/drawingml/2006/main" xmlns:r="http://schemas.openxmlformats.org/officeDocument/2006/relationships" xmlns:p="http://schemas.openxmlformats.org/presentationml/2006/main">
+  <p:cSld>
+    <p:spTree>
+      <p:nvGrpSpPr>
+        <p:cNvPr id="1" name=""/>
+        <p:cNvGrpSpPr/>
+        <p:nvPr/>
+      </p:nvGrpSpPr>
+      <p:grpSpPr>
+        <a:xfrm>
+          <a:off x="0" y="0"/>
+          <a:ext cx="0" cy="0"/>
+          <a:chOff x="0" y="0"/>
+          <a:chExt cx="0" cy="0"/>
+        </a:xfrm>
+      </p:grpSpPr>
+      <p:sp>
+        <p:nvSpPr>
+          <p:cNvPr id="2" name="Title 1">
+            <a:extLst>
+              <a:ext uri="{FF2B5EF4-FFF2-40B4-BE49-F238E27FC236}">
                 <a16:creationId xmlns:a16="http://schemas.microsoft.com/office/drawing/2014/main" id="{48708B6F-1B02-7A46-A79E-5A91AE93C9BD}"/>
               </a:ext>
             </a:extLst>
@@ -3652,7 +4141,7 @@
 </p:sld>
 </file>
 
-<file path=ppt/slides/slide12.xml><?xml version="1.0" encoding="utf-8"?>
+<file path=ppt/slides/slide15.xml><?xml version="1.0" encoding="utf-8"?>
 <p:sld xmlns:a="http://schemas.openxmlformats.org/drawingml/2006/main" xmlns:r="http://schemas.openxmlformats.org/officeDocument/2006/relationships" xmlns:p="http://schemas.openxmlformats.org/presentationml/2006/main">
   <p:cSld>
     <p:spTree>
@@ -3744,7 +4233,7 @@
 </p:sld>
 </file>
 
-<file path=ppt/slides/slide13.xml><?xml version="1.0" encoding="utf-8"?>
+<file path=ppt/slides/slide16.xml><?xml version="1.0" encoding="utf-8"?>
 <p:sld xmlns:a="http://schemas.openxmlformats.org/drawingml/2006/main" xmlns:r="http://schemas.openxmlformats.org/officeDocument/2006/relationships" xmlns:p="http://schemas.openxmlformats.org/presentationml/2006/main">
   <p:cSld>
     <p:spTree>
@@ -4013,7 +4502,7 @@
 </p:sld>
 </file>
 
-<file path=ppt/slides/slide14.xml><?xml version="1.0" encoding="utf-8"?>
+<file path=ppt/slides/slide17.xml><?xml version="1.0" encoding="utf-8"?>
 <p:sld xmlns:a="http://schemas.openxmlformats.org/drawingml/2006/main" xmlns:r="http://schemas.openxmlformats.org/officeDocument/2006/relationships" xmlns:p="http://schemas.openxmlformats.org/presentationml/2006/main">
   <p:cSld>
     <p:spTree>
@@ -4310,7 +4799,7 @@
 </p:sld>
 </file>
 
-<file path=ppt/slides/slide15.xml><?xml version="1.0" encoding="utf-8"?>
+<file path=ppt/slides/slide18.xml><?xml version="1.0" encoding="utf-8"?>
 <p:sld xmlns:a="http://schemas.openxmlformats.org/drawingml/2006/main" xmlns:r="http://schemas.openxmlformats.org/officeDocument/2006/relationships" xmlns:p="http://schemas.openxmlformats.org/presentationml/2006/main">
   <p:cSld>
     <p:spTree>
@@ -4445,6 +4934,179 @@
     <p:extLst>
       <p:ext uri="{BB962C8B-B14F-4D97-AF65-F5344CB8AC3E}">
         <p14:creationId xmlns:p14="http://schemas.microsoft.com/office/powerpoint/2010/main" val="4048530283"/>
+      </p:ext>
+    </p:extLst>
+  </p:cSld>
+  <p:clrMapOvr>
+    <a:masterClrMapping/>
+  </p:clrMapOvr>
+</p:sld>
+</file>
+
+<file path=ppt/slides/slide19.xml><?xml version="1.0" encoding="utf-8"?>
+<p:sld xmlns:a="http://schemas.openxmlformats.org/drawingml/2006/main" xmlns:r="http://schemas.openxmlformats.org/officeDocument/2006/relationships" xmlns:p="http://schemas.openxmlformats.org/presentationml/2006/main">
+  <p:cSld>
+    <p:spTree>
+      <p:nvGrpSpPr>
+        <p:cNvPr id="1" name=""/>
+        <p:cNvGrpSpPr/>
+        <p:nvPr/>
+      </p:nvGrpSpPr>
+      <p:grpSpPr>
+        <a:xfrm>
+          <a:off x="0" y="0"/>
+          <a:ext cx="0" cy="0"/>
+          <a:chOff x="0" y="0"/>
+          <a:chExt cx="0" cy="0"/>
+        </a:xfrm>
+      </p:grpSpPr>
+      <p:sp>
+        <p:nvSpPr>
+          <p:cNvPr id="2" name="Title 1">
+            <a:extLst>
+              <a:ext uri="{FF2B5EF4-FFF2-40B4-BE49-F238E27FC236}">
+                <a16:creationId xmlns:a16="http://schemas.microsoft.com/office/drawing/2014/main" id="{4B68D123-7163-B9F9-F1D2-969BF73BBFB1}"/>
+              </a:ext>
+            </a:extLst>
+          </p:cNvPr>
+          <p:cNvSpPr>
+            <a:spLocks noGrp="1"/>
+          </p:cNvSpPr>
+          <p:nvPr>
+            <p:ph type="title"/>
+          </p:nvPr>
+        </p:nvSpPr>
+        <p:spPr>
+          <a:xfrm>
+            <a:off x="630382" y="-85726"/>
+            <a:ext cx="10515600" cy="1325563"/>
+          </a:xfrm>
+        </p:spPr>
+        <p:txBody>
+          <a:bodyPr/>
+          <a:lstStyle/>
+          <a:p>
+            <a:r>
+              <a:rPr lang="en-US" dirty="0"/>
+              <a:t>Rubber Duck Debugging</a:t>
+            </a:r>
+          </a:p>
+        </p:txBody>
+      </p:sp>
+      <p:sp>
+        <p:nvSpPr>
+          <p:cNvPr id="3" name="Content Placeholder 2">
+            <a:extLst>
+              <a:ext uri="{FF2B5EF4-FFF2-40B4-BE49-F238E27FC236}">
+                <a16:creationId xmlns:a16="http://schemas.microsoft.com/office/drawing/2014/main" id="{DABF208C-58B9-2FD7-034D-85CD3F94FD99}"/>
+              </a:ext>
+            </a:extLst>
+          </p:cNvPr>
+          <p:cNvSpPr>
+            <a:spLocks noGrp="1"/>
+          </p:cNvSpPr>
+          <p:nvPr>
+            <p:ph idx="1"/>
+          </p:nvPr>
+        </p:nvSpPr>
+        <p:spPr>
+          <a:xfrm>
+            <a:off x="553985" y="1581784"/>
+            <a:ext cx="5877295" cy="4361815"/>
+          </a:xfrm>
+        </p:spPr>
+        <p:txBody>
+          <a:bodyPr>
+            <a:normAutofit fontScale="92500" lnSpcReduction="20000"/>
+          </a:bodyPr>
+          <a:lstStyle/>
+          <a:p>
+            <a:pPr marL="514350" indent="-514350" algn="l" fontAlgn="base">
+              <a:buFont typeface="+mj-lt"/>
+              <a:buAutoNum type="arabicParenR"/>
+            </a:pPr>
+            <a:r>
+              <a:rPr lang="en-GB" u="none" strike="noStrike" dirty="0">
+                <a:effectLst/>
+              </a:rPr>
+              <a:t>Place rubber duck on desk and inform it you are just going to go over some code with it, if that’s all right.</a:t>
+            </a:r>
+          </a:p>
+          <a:p>
+            <a:pPr marL="514350" indent="-514350" algn="l" fontAlgn="base">
+              <a:buFont typeface="+mj-lt"/>
+              <a:buAutoNum type="arabicParenR"/>
+            </a:pPr>
+            <a:r>
+              <a:rPr lang="en-GB" u="none" strike="noStrike" dirty="0">
+                <a:effectLst/>
+              </a:rPr>
+              <a:t>Explain to the duck what your code is supposed to do, and then go into detail and explain your code line by line.</a:t>
+            </a:r>
+          </a:p>
+          <a:p>
+            <a:pPr marL="514350" indent="-514350" algn="l" fontAlgn="base">
+              <a:buFont typeface="+mj-lt"/>
+              <a:buAutoNum type="arabicParenR"/>
+            </a:pPr>
+            <a:r>
+              <a:rPr lang="en-GB" u="none" strike="noStrike" dirty="0">
+                <a:effectLst/>
+              </a:rPr>
+              <a:t>At some point you will tell the duck what you are doing next and then realise that that is not in fact what you are actually doing. The duck will sit there serenely, happy in the knowledge that it has helped you on your way.</a:t>
+            </a:r>
+          </a:p>
+        </p:txBody>
+      </p:sp>
+      <p:pic>
+        <p:nvPicPr>
+          <p:cNvPr id="1028" name="Picture 4" descr="Rubber Duck Debugging. Wheres my rubber duck!? | by Kelly Dobbins | Medium">
+            <a:extLst>
+              <a:ext uri="{FF2B5EF4-FFF2-40B4-BE49-F238E27FC236}">
+                <a16:creationId xmlns:a16="http://schemas.microsoft.com/office/drawing/2014/main" id="{DCCF7E2A-6864-0460-D2A0-72783D9F5120}"/>
+              </a:ext>
+            </a:extLst>
+          </p:cNvPr>
+          <p:cNvPicPr>
+            <a:picLocks noChangeAspect="1" noChangeArrowheads="1"/>
+          </p:cNvPicPr>
+          <p:nvPr/>
+        </p:nvPicPr>
+        <p:blipFill rotWithShape="1">
+          <a:blip r:embed="rId2">
+            <a:extLst>
+              <a:ext uri="{28A0092B-C50C-407E-A947-70E740481C1C}">
+                <a14:useLocalDpi xmlns:a14="http://schemas.microsoft.com/office/drawing/2010/main" val="0"/>
+              </a:ext>
+            </a:extLst>
+          </a:blip>
+          <a:srcRect l="34250"/>
+          <a:stretch/>
+        </p:blipFill>
+        <p:spPr bwMode="auto">
+          <a:xfrm>
+            <a:off x="6967913" y="1569604"/>
+            <a:ext cx="4670102" cy="3718791"/>
+          </a:xfrm>
+          <a:prstGeom prst="rect">
+            <a:avLst/>
+          </a:prstGeom>
+          <a:noFill/>
+          <a:extLst>
+            <a:ext uri="{909E8E84-426E-40DD-AFC4-6F175D3DCCD1}">
+              <a14:hiddenFill xmlns:a14="http://schemas.microsoft.com/office/drawing/2010/main">
+                <a:solidFill>
+                  <a:srgbClr val="FFFFFF"/>
+                </a:solidFill>
+              </a14:hiddenFill>
+            </a:ext>
+          </a:extLst>
+        </p:spPr>
+      </p:pic>
+    </p:spTree>
+    <p:extLst>
+      <p:ext uri="{BB962C8B-B14F-4D97-AF65-F5344CB8AC3E}">
+        <p14:creationId xmlns:p14="http://schemas.microsoft.com/office/powerpoint/2010/main" val="2988442547"/>
       </p:ext>
     </p:extLst>
   </p:cSld>
@@ -4580,6 +5242,158 @@
     <p:extLst>
       <p:ext uri="{BB962C8B-B14F-4D97-AF65-F5344CB8AC3E}">
         <p14:creationId xmlns:p14="http://schemas.microsoft.com/office/powerpoint/2010/main" val="521965133"/>
+      </p:ext>
+    </p:extLst>
+  </p:cSld>
+  <p:clrMapOvr>
+    <a:masterClrMapping/>
+  </p:clrMapOvr>
+</p:sld>
+</file>
+
+<file path=ppt/slides/slide20.xml><?xml version="1.0" encoding="utf-8"?>
+<p:sld xmlns:a="http://schemas.openxmlformats.org/drawingml/2006/main" xmlns:r="http://schemas.openxmlformats.org/officeDocument/2006/relationships" xmlns:p="http://schemas.openxmlformats.org/presentationml/2006/main">
+  <p:cSld>
+    <p:spTree>
+      <p:nvGrpSpPr>
+        <p:cNvPr id="1" name=""/>
+        <p:cNvGrpSpPr/>
+        <p:nvPr/>
+      </p:nvGrpSpPr>
+      <p:grpSpPr>
+        <a:xfrm>
+          <a:off x="0" y="0"/>
+          <a:ext cx="0" cy="0"/>
+          <a:chOff x="0" y="0"/>
+          <a:chExt cx="0" cy="0"/>
+        </a:xfrm>
+      </p:grpSpPr>
+      <p:sp>
+        <p:nvSpPr>
+          <p:cNvPr id="2" name="Title 1">
+            <a:extLst>
+              <a:ext uri="{FF2B5EF4-FFF2-40B4-BE49-F238E27FC236}">
+                <a16:creationId xmlns:a16="http://schemas.microsoft.com/office/drawing/2014/main" id="{4B68D123-7163-B9F9-F1D2-969BF73BBFB1}"/>
+              </a:ext>
+            </a:extLst>
+          </p:cNvPr>
+          <p:cNvSpPr>
+            <a:spLocks noGrp="1"/>
+          </p:cNvSpPr>
+          <p:nvPr>
+            <p:ph type="title"/>
+          </p:nvPr>
+        </p:nvSpPr>
+        <p:spPr>
+          <a:xfrm>
+            <a:off x="838200" y="365125"/>
+            <a:ext cx="10515600" cy="742315"/>
+          </a:xfrm>
+        </p:spPr>
+        <p:txBody>
+          <a:bodyPr/>
+          <a:lstStyle/>
+          <a:p>
+            <a:r>
+              <a:rPr lang="en-US" dirty="0"/>
+              <a:t>Rubber Duck Debugging</a:t>
+            </a:r>
+          </a:p>
+        </p:txBody>
+      </p:sp>
+      <p:sp>
+        <p:nvSpPr>
+          <p:cNvPr id="3" name="Content Placeholder 2">
+            <a:extLst>
+              <a:ext uri="{FF2B5EF4-FFF2-40B4-BE49-F238E27FC236}">
+                <a16:creationId xmlns:a16="http://schemas.microsoft.com/office/drawing/2014/main" id="{DABF208C-58B9-2FD7-034D-85CD3F94FD99}"/>
+              </a:ext>
+            </a:extLst>
+          </p:cNvPr>
+          <p:cNvSpPr>
+            <a:spLocks noGrp="1"/>
+          </p:cNvSpPr>
+          <p:nvPr>
+            <p:ph idx="1"/>
+          </p:nvPr>
+        </p:nvSpPr>
+        <p:spPr>
+          <a:xfrm>
+            <a:off x="838200" y="1825625"/>
+            <a:ext cx="4302760" cy="4351338"/>
+          </a:xfrm>
+        </p:spPr>
+        <p:txBody>
+          <a:bodyPr/>
+          <a:lstStyle/>
+          <a:p>
+            <a:r>
+              <a:rPr lang="en-US" dirty="0"/>
+              <a:t>Yes.  This is a real thing.</a:t>
+            </a:r>
+          </a:p>
+          <a:p>
+            <a:endParaRPr lang="en-US" dirty="0"/>
+          </a:p>
+          <a:p>
+            <a:r>
+              <a:rPr lang="en-US" dirty="0"/>
+              <a:t>Doesn’t have to be a duck</a:t>
+            </a:r>
+          </a:p>
+        </p:txBody>
+      </p:sp>
+      <p:pic>
+        <p:nvPicPr>
+          <p:cNvPr id="1026" name="Picture 2" descr="Improve how you code: Understanding Rubber Duck Debugging">
+            <a:extLst>
+              <a:ext uri="{FF2B5EF4-FFF2-40B4-BE49-F238E27FC236}">
+                <a16:creationId xmlns:a16="http://schemas.microsoft.com/office/drawing/2014/main" id="{627F8132-DFDA-98E0-5558-8DED53D3AB28}"/>
+              </a:ext>
+            </a:extLst>
+          </p:cNvPr>
+          <p:cNvPicPr>
+            <a:picLocks noChangeAspect="1" noChangeArrowheads="1"/>
+          </p:cNvPicPr>
+          <p:nvPr/>
+        </p:nvPicPr>
+        <p:blipFill>
+          <a:blip r:embed="rId2">
+            <a:extLst>
+              <a:ext uri="{28A0092B-C50C-407E-A947-70E740481C1C}">
+                <a14:useLocalDpi xmlns:a14="http://schemas.microsoft.com/office/drawing/2010/main" val="0"/>
+              </a:ext>
+            </a:extLst>
+          </a:blip>
+          <a:srcRect/>
+          <a:stretch>
+            <a:fillRect/>
+          </a:stretch>
+        </p:blipFill>
+        <p:spPr bwMode="auto">
+          <a:xfrm>
+            <a:off x="5555673" y="1324408"/>
+            <a:ext cx="6470073" cy="4852555"/>
+          </a:xfrm>
+          <a:prstGeom prst="rect">
+            <a:avLst/>
+          </a:prstGeom>
+          <a:noFill/>
+          <a:extLst>
+            <a:ext uri="{909E8E84-426E-40DD-AFC4-6F175D3DCCD1}">
+              <a14:hiddenFill xmlns:a14="http://schemas.microsoft.com/office/drawing/2010/main">
+                <a:solidFill>
+                  <a:srgbClr val="FFFFFF"/>
+                </a:solidFill>
+              </a14:hiddenFill>
+            </a:ext>
+          </a:extLst>
+        </p:spPr>
+      </p:pic>
+    </p:spTree>
+    <p:extLst>
+      <p:ext uri="{BB962C8B-B14F-4D97-AF65-F5344CB8AC3E}">
+        <p14:creationId xmlns:p14="http://schemas.microsoft.com/office/powerpoint/2010/main" val="1599805522"/>
       </p:ext>
     </p:extLst>
   </p:cSld>
